--- a/Archimate/Curso Archimate/Curso Archimate - Aula 1.pptx
+++ b/Archimate/Curso Archimate/Curso Archimate - Aula 1.pptx
@@ -16,15 +16,14 @@
     <p:sldId id="358" r:id="rId10"/>
     <p:sldId id="356" r:id="rId11"/>
     <p:sldId id="359" r:id="rId12"/>
-    <p:sldId id="355" r:id="rId13"/>
-    <p:sldId id="360" r:id="rId14"/>
-    <p:sldId id="347" r:id="rId15"/>
-    <p:sldId id="350" r:id="rId16"/>
-    <p:sldId id="352" r:id="rId17"/>
-    <p:sldId id="357" r:id="rId18"/>
-    <p:sldId id="348" r:id="rId19"/>
-    <p:sldId id="349" r:id="rId20"/>
-    <p:sldId id="351" r:id="rId21"/>
+    <p:sldId id="360" r:id="rId13"/>
+    <p:sldId id="347" r:id="rId14"/>
+    <p:sldId id="350" r:id="rId15"/>
+    <p:sldId id="352" r:id="rId16"/>
+    <p:sldId id="357" r:id="rId17"/>
+    <p:sldId id="348" r:id="rId18"/>
+    <p:sldId id="349" r:id="rId19"/>
+    <p:sldId id="351" r:id="rId20"/>
   </p:sldIdLst>
   <p:sldSz cx="9144000" cy="6858000" type="screen4x3"/>
   <p:notesSz cx="6858000" cy="9144000"/>
@@ -360,7 +359,7 @@
     </p:spTree>
     <p:extLst>
       <p:ext uri="{BB962C8B-B14F-4D97-AF65-F5344CB8AC3E}">
-        <p14:creationId xmlns:p14="http://schemas.microsoft.com/office/powerpoint/2010/main" xmlns="" val="2440092695"/>
+        <p14:creationId xmlns="" xmlns:p14="http://schemas.microsoft.com/office/powerpoint/2010/main" val="2440092695"/>
       </p:ext>
     </p:extLst>
   </p:cSld>
@@ -532,7 +531,7 @@
     </p:spTree>
     <p:extLst>
       <p:ext uri="{BB962C8B-B14F-4D97-AF65-F5344CB8AC3E}">
-        <p14:creationId xmlns:p14="http://schemas.microsoft.com/office/powerpoint/2010/main" xmlns="" val="1234047752"/>
+        <p14:creationId xmlns="" xmlns:p14="http://schemas.microsoft.com/office/powerpoint/2010/main" val="1234047752"/>
       </p:ext>
     </p:extLst>
   </p:cSld>
@@ -714,7 +713,7 @@
     </p:spTree>
     <p:extLst>
       <p:ext uri="{BB962C8B-B14F-4D97-AF65-F5344CB8AC3E}">
-        <p14:creationId xmlns:p14="http://schemas.microsoft.com/office/powerpoint/2010/main" xmlns="" val="1596086036"/>
+        <p14:creationId xmlns="" xmlns:p14="http://schemas.microsoft.com/office/powerpoint/2010/main" val="1596086036"/>
       </p:ext>
     </p:extLst>
   </p:cSld>
@@ -886,7 +885,7 @@
     </p:spTree>
     <p:extLst>
       <p:ext uri="{BB962C8B-B14F-4D97-AF65-F5344CB8AC3E}">
-        <p14:creationId xmlns:p14="http://schemas.microsoft.com/office/powerpoint/2010/main" xmlns="" val="2372036147"/>
+        <p14:creationId xmlns="" xmlns:p14="http://schemas.microsoft.com/office/powerpoint/2010/main" val="2372036147"/>
       </p:ext>
     </p:extLst>
   </p:cSld>
@@ -1134,7 +1133,7 @@
     </p:spTree>
     <p:extLst>
       <p:ext uri="{BB962C8B-B14F-4D97-AF65-F5344CB8AC3E}">
-        <p14:creationId xmlns:p14="http://schemas.microsoft.com/office/powerpoint/2010/main" xmlns="" val="1069346948"/>
+        <p14:creationId xmlns="" xmlns:p14="http://schemas.microsoft.com/office/powerpoint/2010/main" val="1069346948"/>
       </p:ext>
     </p:extLst>
   </p:cSld>
@@ -1424,7 +1423,7 @@
     </p:spTree>
     <p:extLst>
       <p:ext uri="{BB962C8B-B14F-4D97-AF65-F5344CB8AC3E}">
-        <p14:creationId xmlns:p14="http://schemas.microsoft.com/office/powerpoint/2010/main" xmlns="" val="419484127"/>
+        <p14:creationId xmlns="" xmlns:p14="http://schemas.microsoft.com/office/powerpoint/2010/main" val="419484127"/>
       </p:ext>
     </p:extLst>
   </p:cSld>
@@ -1848,7 +1847,7 @@
     </p:spTree>
     <p:extLst>
       <p:ext uri="{BB962C8B-B14F-4D97-AF65-F5344CB8AC3E}">
-        <p14:creationId xmlns:p14="http://schemas.microsoft.com/office/powerpoint/2010/main" xmlns="" val="1169494311"/>
+        <p14:creationId xmlns="" xmlns:p14="http://schemas.microsoft.com/office/powerpoint/2010/main" val="1169494311"/>
       </p:ext>
     </p:extLst>
   </p:cSld>
@@ -1968,7 +1967,7 @@
     </p:spTree>
     <p:extLst>
       <p:ext uri="{BB962C8B-B14F-4D97-AF65-F5344CB8AC3E}">
-        <p14:creationId xmlns:p14="http://schemas.microsoft.com/office/powerpoint/2010/main" xmlns="" val="1299573259"/>
+        <p14:creationId xmlns="" xmlns:p14="http://schemas.microsoft.com/office/powerpoint/2010/main" val="1299573259"/>
       </p:ext>
     </p:extLst>
   </p:cSld>
@@ -2065,7 +2064,7 @@
     </p:spTree>
     <p:extLst>
       <p:ext uri="{BB962C8B-B14F-4D97-AF65-F5344CB8AC3E}">
-        <p14:creationId xmlns:p14="http://schemas.microsoft.com/office/powerpoint/2010/main" xmlns="" val="604679130"/>
+        <p14:creationId xmlns="" xmlns:p14="http://schemas.microsoft.com/office/powerpoint/2010/main" val="604679130"/>
       </p:ext>
     </p:extLst>
   </p:cSld>
@@ -2344,7 +2343,7 @@
     </p:spTree>
     <p:extLst>
       <p:ext uri="{BB962C8B-B14F-4D97-AF65-F5344CB8AC3E}">
-        <p14:creationId xmlns:p14="http://schemas.microsoft.com/office/powerpoint/2010/main" xmlns="" val="3229975852"/>
+        <p14:creationId xmlns="" xmlns:p14="http://schemas.microsoft.com/office/powerpoint/2010/main" val="3229975852"/>
       </p:ext>
     </p:extLst>
   </p:cSld>
@@ -2599,7 +2598,7 @@
     </p:spTree>
     <p:extLst>
       <p:ext uri="{BB962C8B-B14F-4D97-AF65-F5344CB8AC3E}">
-        <p14:creationId xmlns:p14="http://schemas.microsoft.com/office/powerpoint/2010/main" xmlns="" val="3654864110"/>
+        <p14:creationId xmlns="" xmlns:p14="http://schemas.microsoft.com/office/powerpoint/2010/main" val="3654864110"/>
       </p:ext>
     </p:extLst>
   </p:cSld>
@@ -2850,7 +2849,7 @@
     </p:spTree>
     <p:extLst>
       <p:ext uri="{BB962C8B-B14F-4D97-AF65-F5344CB8AC3E}">
-        <p14:creationId xmlns:p14="http://schemas.microsoft.com/office/powerpoint/2010/main" xmlns="" val="773190463"/>
+        <p14:creationId xmlns="" xmlns:p14="http://schemas.microsoft.com/office/powerpoint/2010/main" val="773190463"/>
       </p:ext>
     </p:extLst>
   </p:cSld>
@@ -3199,13 +3198,20 @@
     </p:spTree>
     <p:extLst>
       <p:ext uri="{BB962C8B-B14F-4D97-AF65-F5344CB8AC3E}">
-        <p14:creationId xmlns:p14="http://schemas.microsoft.com/office/powerpoint/2010/main" xmlns="" val="1030262718"/>
+        <p14:creationId xmlns="" xmlns:p14="http://schemas.microsoft.com/office/powerpoint/2010/main" val="1030262718"/>
       </p:ext>
     </p:extLst>
   </p:cSld>
   <p:clrMapOvr>
     <a:masterClrMapping/>
   </p:clrMapOvr>
+  <p:timing>
+    <p:tnLst>
+      <p:par>
+        <p:cTn id="1" dur="indefinite" restart="never" nodeType="tmRoot"/>
+      </p:par>
+    </p:tnLst>
+  </p:timing>
 </p:sld>
 </file>
 
@@ -3296,13 +3302,20 @@
     </p:spTree>
     <p:extLst>
       <p:ext uri="{BB962C8B-B14F-4D97-AF65-F5344CB8AC3E}">
-        <p14:creationId xmlns:p14="http://schemas.microsoft.com/office/powerpoint/2010/main" xmlns="" val="1463070621"/>
+        <p14:creationId xmlns="" xmlns:p14="http://schemas.microsoft.com/office/powerpoint/2010/main" val="1463070621"/>
       </p:ext>
     </p:extLst>
   </p:cSld>
   <p:clrMapOvr>
     <a:masterClrMapping/>
   </p:clrMapOvr>
+  <p:timing>
+    <p:tnLst>
+      <p:par>
+        <p:cTn id="1" dur="indefinite" restart="never" nodeType="tmRoot"/>
+      </p:par>
+    </p:tnLst>
+  </p:timing>
 </p:sld>
 </file>
 
@@ -3399,13 +3412,20 @@
     </p:spTree>
     <p:extLst>
       <p:ext uri="{BB962C8B-B14F-4D97-AF65-F5344CB8AC3E}">
-        <p14:creationId xmlns:p14="http://schemas.microsoft.com/office/powerpoint/2010/main" xmlns="" val="1463070621"/>
+        <p14:creationId xmlns="" xmlns:p14="http://schemas.microsoft.com/office/powerpoint/2010/main" val="1463070621"/>
       </p:ext>
     </p:extLst>
   </p:cSld>
   <p:clrMapOvr>
     <a:masterClrMapping/>
   </p:clrMapOvr>
+  <p:timing>
+    <p:tnLst>
+      <p:par>
+        <p:cTn id="1" dur="indefinite" restart="never" nodeType="tmRoot"/>
+      </p:par>
+    </p:tnLst>
+  </p:timing>
 </p:sld>
 </file>
 
@@ -3479,7 +3499,35 @@
             </a:r>
             <a:r>
               <a:rPr lang="pt-BR" dirty="0" smtClean="0"/>
-              <a:t> colaborativos são construídos por colaboração de representantes de diferentes áreas do mercado de negócios e mantidos através de fóruns abertos , com o intuito de estabelecer padrões de arquitetura e interoperabilidade.</a:t>
+              <a:t> colaborativos são construídos por colaboração de representantes de diferentes áreas do mercado de negócios e mantidos através de fóruns abertos , com o intuito de estabelecer padrões de arquitetura e interoperabilidade. Dentro desta definição, o que se destaca é o </a:t>
+            </a:r>
+            <a:r>
+              <a:rPr lang="pt-BR" i="1" dirty="0" err="1" smtClean="0"/>
+              <a:t>The</a:t>
+            </a:r>
+            <a:r>
+              <a:rPr lang="pt-BR" i="1" dirty="0" smtClean="0"/>
+              <a:t> Open </a:t>
+            </a:r>
+            <a:r>
+              <a:rPr lang="pt-BR" i="1" dirty="0" err="1" smtClean="0"/>
+              <a:t>Group</a:t>
+            </a:r>
+            <a:r>
+              <a:rPr lang="pt-BR" i="1" dirty="0" smtClean="0"/>
+              <a:t> </a:t>
+            </a:r>
+            <a:r>
+              <a:rPr lang="pt-BR" i="1" dirty="0" err="1" smtClean="0"/>
+              <a:t>Architecture</a:t>
+            </a:r>
+            <a:r>
+              <a:rPr lang="pt-BR" i="1" dirty="0" smtClean="0"/>
+              <a:t> Framework </a:t>
+            </a:r>
+            <a:r>
+              <a:rPr lang="pt-BR" dirty="0" smtClean="0"/>
+              <a:t>(TOGAF).</a:t>
             </a:r>
             <a:endParaRPr lang="en-US" dirty="0"/>
           </a:p>
@@ -3488,13 +3536,20 @@
     </p:spTree>
     <p:extLst>
       <p:ext uri="{BB962C8B-B14F-4D97-AF65-F5344CB8AC3E}">
-        <p14:creationId xmlns:p14="http://schemas.microsoft.com/office/powerpoint/2010/main" xmlns="" val="1463070621"/>
+        <p14:creationId xmlns="" xmlns:p14="http://schemas.microsoft.com/office/powerpoint/2010/main" val="1463070621"/>
       </p:ext>
     </p:extLst>
   </p:cSld>
   <p:clrMapOvr>
     <a:masterClrMapping/>
   </p:clrMapOvr>
+  <p:timing>
+    <p:tnLst>
+      <p:par>
+        <p:cTn id="1" dur="indefinite" restart="never" nodeType="tmRoot"/>
+      </p:par>
+    </p:tnLst>
+  </p:timing>
 </p:sld>
 </file>
 
@@ -3531,8 +3586,59 @@
           <a:lstStyle/>
           <a:p>
             <a:r>
-              <a:rPr lang="en-US" i="1" dirty="0" smtClean="0"/>
-              <a:t>Frameworks</a:t>
+              <a:rPr lang="en-US" dirty="0" smtClean="0"/>
+              <a:t>The Open Group</a:t>
+            </a:r>
+            <a:endParaRPr lang="en-US" dirty="0"/>
+          </a:p>
+        </p:txBody>
+      </p:sp>
+      <p:sp>
+        <p:nvSpPr>
+          <p:cNvPr id="3" name="Content Placeholder 2"/>
+          <p:cNvSpPr>
+            <a:spLocks noGrp="1"/>
+          </p:cNvSpPr>
+          <p:nvPr>
+            <p:ph idx="1"/>
+          </p:nvPr>
+        </p:nvSpPr>
+        <p:spPr/>
+        <p:txBody>
+          <a:bodyPr>
+            <a:normAutofit/>
+          </a:bodyPr>
+          <a:lstStyle/>
+          <a:p>
+            <a:r>
+              <a:rPr lang="pt-BR" dirty="0" smtClean="0"/>
+              <a:t>O </a:t>
+            </a:r>
+            <a:r>
+              <a:rPr lang="pt-BR" dirty="0" err="1" smtClean="0"/>
+              <a:t>The</a:t>
+            </a:r>
+            <a:r>
+              <a:rPr lang="pt-BR" dirty="0" smtClean="0"/>
+              <a:t> Open </a:t>
+            </a:r>
+            <a:r>
+              <a:rPr lang="pt-BR" dirty="0" err="1" smtClean="0"/>
+              <a:t>Group</a:t>
+            </a:r>
+            <a:r>
+              <a:rPr lang="pt-BR" dirty="0" smtClean="0"/>
+              <a:t> é um consórcio global que permite a realização de objetivos de negócios através de padrões de tecnologia;</a:t>
+            </a:r>
+          </a:p>
+          <a:p>
+            <a:r>
+              <a:rPr lang="en-US" dirty="0" smtClean="0"/>
+              <a:t>Tem </a:t>
+            </a:r>
+            <a:r>
+              <a:rPr lang="en-US" dirty="0" err="1" smtClean="0"/>
+              <a:t>como</a:t>
             </a:r>
             <a:r>
               <a:rPr lang="en-US" dirty="0" smtClean="0"/>
@@ -3540,64 +3646,86 @@
             </a:r>
             <a:r>
               <a:rPr lang="en-US" dirty="0" err="1" smtClean="0"/>
-              <a:t>Colaborativos</a:t>
-            </a:r>
-            <a:endParaRPr lang="en-US" dirty="0"/>
-          </a:p>
-        </p:txBody>
-      </p:sp>
-      <p:sp>
-        <p:nvSpPr>
-          <p:cNvPr id="3" name="Content Placeholder 2"/>
-          <p:cNvSpPr>
-            <a:spLocks noGrp="1"/>
-          </p:cNvSpPr>
-          <p:nvPr>
-            <p:ph idx="1"/>
-          </p:nvPr>
-        </p:nvSpPr>
-        <p:spPr/>
-        <p:txBody>
-          <a:bodyPr/>
-          <a:lstStyle/>
-          <a:p>
-            <a:pPr algn="just"/>
-            <a:r>
-              <a:rPr lang="pt-BR" i="1" dirty="0" smtClean="0"/>
-              <a:t>Frameworks</a:t>
-            </a:r>
-            <a:r>
-              <a:rPr lang="pt-BR" dirty="0" smtClean="0"/>
-              <a:t> colaborativos são construídos por colaboração de representantes de diferentes áreas do mercado de negócios e mantidos através de fóruns abertos , com o intuito de estabelecer padrões de arquitetura e interoperabilidade. Dentro desta definição, o que se destaca é o </a:t>
-            </a:r>
-            <a:r>
-              <a:rPr lang="pt-BR" i="1" dirty="0" err="1" smtClean="0"/>
-              <a:t>The</a:t>
-            </a:r>
-            <a:r>
-              <a:rPr lang="pt-BR" i="1" dirty="0" smtClean="0"/>
-              <a:t> Open </a:t>
-            </a:r>
-            <a:r>
-              <a:rPr lang="pt-BR" i="1" dirty="0" err="1" smtClean="0"/>
-              <a:t>Group</a:t>
-            </a:r>
-            <a:r>
-              <a:rPr lang="pt-BR" i="1" dirty="0" smtClean="0"/>
+              <a:t>missão</a:t>
+            </a:r>
+            <a:r>
+              <a:rPr lang="en-US" dirty="0" smtClean="0"/>
               <a:t> </a:t>
             </a:r>
             <a:r>
-              <a:rPr lang="pt-BR" i="1" dirty="0" err="1" smtClean="0"/>
-              <a:t>Architecture</a:t>
-            </a:r>
-            <a:r>
-              <a:rPr lang="pt-BR" i="1" dirty="0" smtClean="0"/>
-              <a:t> Framework </a:t>
-            </a:r>
-            <a:r>
-              <a:rPr lang="pt-BR" dirty="0" smtClean="0"/>
-              <a:t>(TOGAF).</a:t>
-            </a:r>
+              <a:rPr lang="en-US" dirty="0" err="1" smtClean="0"/>
+              <a:t>permitir</a:t>
+            </a:r>
+            <a:r>
+              <a:rPr lang="en-US" dirty="0" smtClean="0"/>
+              <a:t> o </a:t>
+            </a:r>
+            <a:r>
+              <a:rPr lang="en-US" dirty="0" err="1" smtClean="0"/>
+              <a:t>acesso</a:t>
+            </a:r>
+            <a:r>
+              <a:rPr lang="en-US" dirty="0" smtClean="0"/>
+              <a:t> a </a:t>
+            </a:r>
+            <a:r>
+              <a:rPr lang="en-US" dirty="0" err="1" smtClean="0"/>
+              <a:t>informações</a:t>
+            </a:r>
+            <a:r>
+              <a:rPr lang="en-US" dirty="0" smtClean="0"/>
+              <a:t> </a:t>
+            </a:r>
+            <a:r>
+              <a:rPr lang="en-US" dirty="0" err="1" smtClean="0"/>
+              <a:t>integradas</a:t>
+            </a:r>
+            <a:r>
+              <a:rPr lang="en-US" dirty="0" smtClean="0"/>
+              <a:t> entre </a:t>
+            </a:r>
+            <a:r>
+              <a:rPr lang="en-US" dirty="0" err="1" smtClean="0"/>
+              <a:t>empresas</a:t>
+            </a:r>
+            <a:r>
+              <a:rPr lang="en-US" dirty="0" smtClean="0"/>
+              <a:t>, </a:t>
+            </a:r>
+            <a:r>
+              <a:rPr lang="en-US" dirty="0" err="1" smtClean="0"/>
+              <a:t>utilizando</a:t>
+            </a:r>
+            <a:r>
+              <a:rPr lang="en-US" dirty="0" smtClean="0"/>
+              <a:t> </a:t>
+            </a:r>
+            <a:r>
+              <a:rPr lang="en-US" dirty="0" err="1" smtClean="0"/>
+              <a:t>padrões</a:t>
+            </a:r>
+            <a:r>
+              <a:rPr lang="en-US" dirty="0" smtClean="0"/>
+              <a:t> </a:t>
+            </a:r>
+            <a:r>
+              <a:rPr lang="en-US" dirty="0" err="1" smtClean="0"/>
+              <a:t>abertos</a:t>
+            </a:r>
+            <a:r>
+              <a:rPr lang="en-US" dirty="0" smtClean="0"/>
+              <a:t> e </a:t>
+            </a:r>
+            <a:r>
+              <a:rPr lang="en-US" dirty="0" err="1" smtClean="0"/>
+              <a:t>interoperabilidade</a:t>
+            </a:r>
+            <a:r>
+              <a:rPr lang="en-US" dirty="0" smtClean="0"/>
+              <a:t> global.</a:t>
+            </a:r>
+          </a:p>
+          <a:p>
             <a:endParaRPr lang="en-US" dirty="0"/>
           </a:p>
         </p:txBody>
@@ -3605,13 +3733,20 @@
     </p:spTree>
     <p:extLst>
       <p:ext uri="{BB962C8B-B14F-4D97-AF65-F5344CB8AC3E}">
-        <p14:creationId xmlns:p14="http://schemas.microsoft.com/office/powerpoint/2010/main" xmlns="" val="1463070621"/>
+        <p14:creationId xmlns="" xmlns:p14="http://schemas.microsoft.com/office/powerpoint/2010/main" val="1191818963"/>
       </p:ext>
     </p:extLst>
   </p:cSld>
   <p:clrMapOvr>
     <a:masterClrMapping/>
   </p:clrMapOvr>
+  <p:timing>
+    <p:tnLst>
+      <p:par>
+        <p:cTn id="1" dur="indefinite" restart="never" nodeType="tmRoot"/>
+      </p:par>
+    </p:tnLst>
+  </p:timing>
 </p:sld>
 </file>
 
@@ -3642,166 +3777,71 @@
             <p:ph type="title"/>
           </p:nvPr>
         </p:nvSpPr>
-        <p:spPr/>
+        <p:spPr>
+          <a:xfrm>
+            <a:off x="457200" y="-158738"/>
+            <a:ext cx="8229600" cy="1143000"/>
+          </a:xfrm>
+        </p:spPr>
         <p:txBody>
           <a:bodyPr/>
           <a:lstStyle/>
           <a:p>
             <a:r>
               <a:rPr lang="en-US" dirty="0" smtClean="0"/>
-              <a:t>The Open Group</a:t>
+              <a:t>TOGAF</a:t>
             </a:r>
             <a:endParaRPr lang="en-US" dirty="0"/>
           </a:p>
         </p:txBody>
       </p:sp>
-      <p:sp>
-        <p:nvSpPr>
-          <p:cNvPr id="3" name="Content Placeholder 2"/>
-          <p:cNvSpPr>
-            <a:spLocks noGrp="1"/>
-          </p:cNvSpPr>
-          <p:nvPr>
-            <p:ph idx="1"/>
-          </p:nvPr>
-        </p:nvSpPr>
-        <p:spPr/>
-        <p:txBody>
-          <a:bodyPr>
-            <a:normAutofit/>
-          </a:bodyPr>
-          <a:lstStyle/>
-          <a:p>
-            <a:r>
-              <a:rPr lang="pt-BR" dirty="0" smtClean="0"/>
-              <a:t>O </a:t>
-            </a:r>
-            <a:r>
-              <a:rPr lang="pt-BR" dirty="0" err="1" smtClean="0"/>
-              <a:t>The</a:t>
-            </a:r>
-            <a:r>
-              <a:rPr lang="pt-BR" dirty="0" smtClean="0"/>
-              <a:t> Open </a:t>
-            </a:r>
-            <a:r>
-              <a:rPr lang="pt-BR" dirty="0" err="1" smtClean="0"/>
-              <a:t>Group</a:t>
-            </a:r>
-            <a:r>
-              <a:rPr lang="pt-BR" dirty="0" smtClean="0"/>
-              <a:t> é um consórcio global que permite a realização de objetivos de negócios através de padrões de tecnologia;</a:t>
-            </a:r>
-          </a:p>
-          <a:p>
-            <a:r>
-              <a:rPr lang="en-US" dirty="0" smtClean="0"/>
-              <a:t>Tem </a:t>
-            </a:r>
-            <a:r>
-              <a:rPr lang="en-US" dirty="0" err="1" smtClean="0"/>
-              <a:t>como</a:t>
-            </a:r>
-            <a:r>
-              <a:rPr lang="en-US" dirty="0" smtClean="0"/>
-              <a:t> </a:t>
-            </a:r>
-            <a:r>
-              <a:rPr lang="en-US" dirty="0" err="1" smtClean="0"/>
-              <a:t>missão</a:t>
-            </a:r>
-            <a:r>
-              <a:rPr lang="en-US" dirty="0" smtClean="0"/>
-              <a:t> </a:t>
-            </a:r>
-            <a:r>
-              <a:rPr lang="en-US" dirty="0" err="1" smtClean="0"/>
-              <a:t>permitir</a:t>
-            </a:r>
-            <a:r>
-              <a:rPr lang="en-US" dirty="0" smtClean="0"/>
-              <a:t> o </a:t>
-            </a:r>
-            <a:r>
-              <a:rPr lang="en-US" dirty="0" err="1" smtClean="0"/>
-              <a:t>acesso</a:t>
-            </a:r>
-            <a:r>
-              <a:rPr lang="en-US" dirty="0" smtClean="0"/>
-              <a:t> a </a:t>
-            </a:r>
-            <a:r>
-              <a:rPr lang="en-US" dirty="0" err="1" smtClean="0"/>
-              <a:t>informações</a:t>
-            </a:r>
-            <a:r>
-              <a:rPr lang="en-US" dirty="0" smtClean="0"/>
-              <a:t> </a:t>
-            </a:r>
-            <a:r>
-              <a:rPr lang="en-US" dirty="0" err="1" smtClean="0"/>
-              <a:t>integradas</a:t>
-            </a:r>
-            <a:r>
-              <a:rPr lang="en-US" dirty="0" smtClean="0"/>
-              <a:t> entre </a:t>
-            </a:r>
-            <a:r>
-              <a:rPr lang="en-US" dirty="0" err="1" smtClean="0"/>
-              <a:t>empresas</a:t>
-            </a:r>
-            <a:r>
-              <a:rPr lang="en-US" dirty="0" smtClean="0"/>
-              <a:t>, </a:t>
-            </a:r>
-            <a:r>
-              <a:rPr lang="en-US" dirty="0" err="1" smtClean="0"/>
-              <a:t>utilizando</a:t>
-            </a:r>
-            <a:r>
-              <a:rPr lang="en-US" dirty="0" smtClean="0"/>
-              <a:t> </a:t>
-            </a:r>
-            <a:r>
-              <a:rPr lang="en-US" dirty="0" err="1" smtClean="0"/>
-              <a:t>padrões</a:t>
-            </a:r>
-            <a:r>
-              <a:rPr lang="en-US" dirty="0" smtClean="0"/>
-              <a:t> </a:t>
-            </a:r>
-            <a:r>
-              <a:rPr lang="en-US" dirty="0" err="1" smtClean="0"/>
-              <a:t>abertos</a:t>
-            </a:r>
-            <a:r>
-              <a:rPr lang="en-US" dirty="0" smtClean="0"/>
-              <a:t> e </a:t>
-            </a:r>
-            <a:r>
-              <a:rPr lang="en-US" dirty="0" err="1" smtClean="0"/>
-              <a:t>interoperabilidade</a:t>
-            </a:r>
-            <a:r>
-              <a:rPr lang="en-US" dirty="0" smtClean="0"/>
-              <a:t> global.</a:t>
-            </a:r>
-          </a:p>
-          <a:p>
-            <a:endParaRPr lang="en-US" dirty="0"/>
-          </a:p>
-        </p:txBody>
-      </p:sp>
+      <p:pic>
+        <p:nvPicPr>
+          <p:cNvPr id="4" name="Picture 3" descr="TOGAFarchinobold.png"/>
+          <p:cNvPicPr>
+            <a:picLocks noChangeAspect="1"/>
+          </p:cNvPicPr>
+          <p:nvPr/>
+        </p:nvPicPr>
+        <p:blipFill>
+          <a:blip r:embed="rId2">
+            <a:extLst>
+              <a:ext uri="{28A0092B-C50C-407E-A947-70E740481C1C}">
+                <a14:useLocalDpi xmlns="" xmlns:a14="http://schemas.microsoft.com/office/drawing/2010/main" val="0"/>
+              </a:ext>
+            </a:extLst>
+          </a:blip>
+          <a:stretch>
+            <a:fillRect/>
+          </a:stretch>
+        </p:blipFill>
+        <p:spPr>
+          <a:xfrm>
+            <a:off x="0" y="761724"/>
+            <a:ext cx="9144000" cy="6096000"/>
+          </a:xfrm>
+          <a:prstGeom prst="rect">
+            <a:avLst/>
+          </a:prstGeom>
+        </p:spPr>
+      </p:pic>
     </p:spTree>
     <p:extLst>
       <p:ext uri="{BB962C8B-B14F-4D97-AF65-F5344CB8AC3E}">
-        <p14:creationId xmlns:p14="http://schemas.microsoft.com/office/powerpoint/2010/main" xmlns="" val="1191818963"/>
+        <p14:creationId xmlns="" xmlns:p14="http://schemas.microsoft.com/office/powerpoint/2010/main" val="3003983576"/>
       </p:ext>
     </p:extLst>
   </p:cSld>
   <p:clrMapOvr>
     <a:masterClrMapping/>
   </p:clrMapOvr>
+  <p:timing>
+    <p:tnLst>
+      <p:par>
+        <p:cTn id="1" dur="indefinite" restart="never" nodeType="tmRoot"/>
+      </p:par>
+    </p:tnLst>
+  </p:timing>
 </p:sld>
 </file>
 
@@ -3832,64 +3872,72 @@
             <p:ph type="title"/>
           </p:nvPr>
         </p:nvSpPr>
-        <p:spPr>
-          <a:xfrm>
-            <a:off x="457200" y="-158738"/>
-            <a:ext cx="8229600" cy="1143000"/>
-          </a:xfrm>
-        </p:spPr>
-        <p:txBody>
-          <a:bodyPr/>
-          <a:lstStyle/>
-          <a:p>
+        <p:spPr/>
+        <p:txBody>
+          <a:bodyPr/>
+          <a:lstStyle/>
+          <a:p>
+            <a:r>
+              <a:rPr lang="en-US" dirty="0" err="1" smtClean="0"/>
+              <a:t>Conceito</a:t>
+            </a:r>
             <a:r>
               <a:rPr lang="en-US" dirty="0" smtClean="0"/>
-              <a:t>TOGAF</a:t>
+              <a:t> - TOGAF</a:t>
             </a:r>
             <a:endParaRPr lang="en-US" dirty="0"/>
           </a:p>
         </p:txBody>
       </p:sp>
-      <p:pic>
-        <p:nvPicPr>
-          <p:cNvPr id="4" name="Picture 3" descr="TOGAFarchinobold.png"/>
-          <p:cNvPicPr>
-            <a:picLocks noChangeAspect="1"/>
-          </p:cNvPicPr>
-          <p:nvPr/>
-        </p:nvPicPr>
-        <p:blipFill>
-          <a:blip r:embed="rId2">
-            <a:extLst>
-              <a:ext uri="{28A0092B-C50C-407E-A947-70E740481C1C}">
-                <a14:useLocalDpi xmlns:a14="http://schemas.microsoft.com/office/drawing/2010/main" xmlns="" val="0"/>
-              </a:ext>
-            </a:extLst>
-          </a:blip>
-          <a:stretch>
-            <a:fillRect/>
-          </a:stretch>
-        </p:blipFill>
-        <p:spPr>
-          <a:xfrm>
-            <a:off x="0" y="761724"/>
-            <a:ext cx="9144000" cy="6096000"/>
-          </a:xfrm>
-          <a:prstGeom prst="rect">
-            <a:avLst/>
-          </a:prstGeom>
-        </p:spPr>
-      </p:pic>
+      <p:sp>
+        <p:nvSpPr>
+          <p:cNvPr id="3" name="Content Placeholder 2"/>
+          <p:cNvSpPr>
+            <a:spLocks noGrp="1"/>
+          </p:cNvSpPr>
+          <p:nvPr>
+            <p:ph idx="1"/>
+          </p:nvPr>
+        </p:nvSpPr>
+        <p:spPr/>
+        <p:txBody>
+          <a:bodyPr/>
+          <a:lstStyle/>
+          <a:p>
+            <a:pPr algn="just"/>
+            <a:r>
+              <a:rPr lang="pt-BR" dirty="0" smtClean="0"/>
+              <a:t>O TOGAF é um </a:t>
+            </a:r>
+            <a:r>
+              <a:rPr lang="pt-BR" i="1" dirty="0" smtClean="0"/>
+              <a:t>framework</a:t>
+            </a:r>
+            <a:r>
+              <a:rPr lang="pt-BR" dirty="0" smtClean="0"/>
+              <a:t> de arquitetura corporativa que utiliza uma abordagem de alto nível para o desenho baseada em quatro domínios: Negócios, Aplicações, Dados e Tecnologia.</a:t>
+            </a:r>
+            <a:endParaRPr lang="en-US" dirty="0"/>
+          </a:p>
+        </p:txBody>
+      </p:sp>
     </p:spTree>
     <p:extLst>
       <p:ext uri="{BB962C8B-B14F-4D97-AF65-F5344CB8AC3E}">
-        <p14:creationId xmlns:p14="http://schemas.microsoft.com/office/powerpoint/2010/main" xmlns="" val="3003983576"/>
+        <p14:creationId xmlns="" xmlns:p14="http://schemas.microsoft.com/office/powerpoint/2010/main" val="1323136300"/>
       </p:ext>
     </p:extLst>
   </p:cSld>
   <p:clrMapOvr>
     <a:masterClrMapping/>
   </p:clrMapOvr>
+  <p:timing>
+    <p:tnLst>
+      <p:par>
+        <p:cTn id="1" dur="indefinite" restart="never" nodeType="tmRoot"/>
+      </p:par>
+    </p:tnLst>
+  </p:timing>
 </p:sld>
 </file>
 
@@ -3955,7 +4003,7 @@
             <a:pPr algn="just"/>
             <a:r>
               <a:rPr lang="pt-BR" dirty="0" smtClean="0"/>
-              <a:t>O TOGAF é um </a:t>
+              <a:t>O TOGAF fornece os métodos e ferramentas para auxiliar na aceitação, produção, uso e manutenção de uma arquitetura corporativa. O </a:t>
             </a:r>
             <a:r>
               <a:rPr lang="pt-BR" i="1" dirty="0" smtClean="0"/>
@@ -3963,7 +4011,27 @@
             </a:r>
             <a:r>
               <a:rPr lang="pt-BR" dirty="0" smtClean="0"/>
-              <a:t> de arquitetura corporativa que utiliza uma abordagem de alto nível para o desenho baseada em quatro domínios: Negócios, Aplicações, Dados e Tecnologia.</a:t>
+              <a:t> baseia-se em um modelo de processo iterativo suportado pelas melhores práticas, definidas através do </a:t>
+            </a:r>
+            <a:r>
+              <a:rPr lang="pt-BR" i="1" dirty="0" err="1" smtClean="0"/>
+              <a:t>Architecture</a:t>
+            </a:r>
+            <a:r>
+              <a:rPr lang="pt-BR" i="1" dirty="0" smtClean="0"/>
+              <a:t> </a:t>
+            </a:r>
+            <a:r>
+              <a:rPr lang="pt-BR" i="1" dirty="0" err="1" smtClean="0"/>
+              <a:t>Forum</a:t>
+            </a:r>
+            <a:r>
+              <a:rPr lang="pt-BR" i="1" dirty="0" smtClean="0"/>
+              <a:t>, </a:t>
+            </a:r>
+            <a:r>
+              <a:rPr lang="pt-BR" dirty="0" smtClean="0"/>
+              <a:t>e um conjunto reutilizável de recursos de arquitetura existentes. </a:t>
             </a:r>
             <a:endParaRPr lang="en-US" dirty="0"/>
           </a:p>
@@ -3972,13 +4040,20 @@
     </p:spTree>
     <p:extLst>
       <p:ext uri="{BB962C8B-B14F-4D97-AF65-F5344CB8AC3E}">
-        <p14:creationId xmlns:p14="http://schemas.microsoft.com/office/powerpoint/2010/main" xmlns="" val="1323136300"/>
+        <p14:creationId xmlns="" xmlns:p14="http://schemas.microsoft.com/office/powerpoint/2010/main" val="1323136300"/>
       </p:ext>
     </p:extLst>
   </p:cSld>
   <p:clrMapOvr>
     <a:masterClrMapping/>
   </p:clrMapOvr>
+  <p:timing>
+    <p:tnLst>
+      <p:par>
+        <p:cTn id="1" dur="indefinite" restart="never" nodeType="tmRoot"/>
+      </p:par>
+    </p:tnLst>
+  </p:timing>
 </p:sld>
 </file>
 
@@ -4016,11 +4091,7 @@
           <a:p>
             <a:r>
               <a:rPr lang="en-US" dirty="0" err="1" smtClean="0"/>
-              <a:t>Conceito</a:t>
-            </a:r>
-            <a:r>
-              <a:rPr lang="en-US" dirty="0" smtClean="0"/>
-              <a:t> - TOGAF</a:t>
+              <a:t>Archimate</a:t>
             </a:r>
             <a:endParaRPr lang="en-US" dirty="0"/>
           </a:p>
@@ -4038,42 +4109,34 @@
         </p:nvSpPr>
         <p:spPr/>
         <p:txBody>
-          <a:bodyPr/>
+          <a:bodyPr>
+            <a:normAutofit/>
+          </a:bodyPr>
           <a:lstStyle/>
           <a:p>
             <a:pPr algn="just"/>
             <a:r>
               <a:rPr lang="pt-BR" dirty="0" smtClean="0"/>
-              <a:t>O TOGAF fornece os métodos e ferramentas para auxiliar na aceitação, produção, uso e manutenção de uma arquitetura corporativa. O </a:t>
-            </a:r>
-            <a:r>
-              <a:rPr lang="pt-BR" i="1" dirty="0" smtClean="0"/>
-              <a:t>framework</a:t>
+              <a:t>linguagem visual com um conjunto de iconografia padrão para descrever, analisar e comunicar as preocupações sobre arquiteturas corporativas. O </a:t>
+            </a:r>
+            <a:r>
+              <a:rPr lang="pt-BR" dirty="0" err="1" smtClean="0"/>
+              <a:t>Archimate</a:t>
             </a:r>
             <a:r>
               <a:rPr lang="pt-BR" dirty="0" smtClean="0"/>
-              <a:t> baseia-se em um modelo de processo iterativo suportado pelas melhores práticas, definidas através do </a:t>
-            </a:r>
-            <a:r>
-              <a:rPr lang="pt-BR" i="1" dirty="0" err="1" smtClean="0"/>
-              <a:t>Architecture</a:t>
-            </a:r>
-            <a:r>
-              <a:rPr lang="pt-BR" i="1" dirty="0" smtClean="0"/>
-              <a:t> </a:t>
-            </a:r>
-            <a:r>
-              <a:rPr lang="pt-BR" i="1" dirty="0" err="1" smtClean="0"/>
-              <a:t>Forum</a:t>
-            </a:r>
-            <a:r>
-              <a:rPr lang="pt-BR" i="1" dirty="0" smtClean="0"/>
-              <a:t>, </a:t>
+              <a:t> fornece, dentro de um padrão, uma representação de diagramas que descrevem as </a:t>
+            </a:r>
+            <a:r>
+              <a:rPr lang="pt-BR" dirty="0" err="1" smtClean="0"/>
+              <a:t>ACs</a:t>
             </a:r>
             <a:r>
               <a:rPr lang="pt-BR" dirty="0" smtClean="0"/>
-              <a:t>e um conjunto reutilizável de recursos de arquitetura existentes. </a:t>
-            </a:r>
+              <a:t>. </a:t>
+            </a:r>
+          </a:p>
+          <a:p>
             <a:endParaRPr lang="en-US" dirty="0"/>
           </a:p>
         </p:txBody>
@@ -4081,13 +4144,20 @@
     </p:spTree>
     <p:extLst>
       <p:ext uri="{BB962C8B-B14F-4D97-AF65-F5344CB8AC3E}">
-        <p14:creationId xmlns:p14="http://schemas.microsoft.com/office/powerpoint/2010/main" xmlns="" val="1323136300"/>
+        <p14:creationId xmlns="" xmlns:p14="http://schemas.microsoft.com/office/powerpoint/2010/main" val="153719451"/>
       </p:ext>
     </p:extLst>
   </p:cSld>
   <p:clrMapOvr>
     <a:masterClrMapping/>
   </p:clrMapOvr>
+  <p:timing>
+    <p:tnLst>
+      <p:par>
+        <p:cTn id="1" dur="indefinite" restart="never" nodeType="tmRoot"/>
+      </p:par>
+    </p:tnLst>
+  </p:timing>
 </p:sld>
 </file>
 
@@ -4118,103 +4188,6 @@
             <p:ph type="title"/>
           </p:nvPr>
         </p:nvSpPr>
-        <p:spPr/>
-        <p:txBody>
-          <a:bodyPr/>
-          <a:lstStyle/>
-          <a:p>
-            <a:r>
-              <a:rPr lang="en-US" dirty="0" err="1" smtClean="0"/>
-              <a:t>Archimate</a:t>
-            </a:r>
-            <a:endParaRPr lang="en-US" dirty="0"/>
-          </a:p>
-        </p:txBody>
-      </p:sp>
-      <p:sp>
-        <p:nvSpPr>
-          <p:cNvPr id="3" name="Content Placeholder 2"/>
-          <p:cNvSpPr>
-            <a:spLocks noGrp="1"/>
-          </p:cNvSpPr>
-          <p:nvPr>
-            <p:ph idx="1"/>
-          </p:nvPr>
-        </p:nvSpPr>
-        <p:spPr/>
-        <p:txBody>
-          <a:bodyPr>
-            <a:normAutofit/>
-          </a:bodyPr>
-          <a:lstStyle/>
-          <a:p>
-            <a:pPr algn="just"/>
-            <a:r>
-              <a:rPr lang="pt-BR" dirty="0" smtClean="0"/>
-              <a:t>linguagem visual com um conjunto de iconografia padrão para descrever, analisar e comunicar as preocupações sobre arquiteturas corporativas. O </a:t>
-            </a:r>
-            <a:r>
-              <a:rPr lang="pt-BR" dirty="0" err="1" smtClean="0"/>
-              <a:t>Archimate</a:t>
-            </a:r>
-            <a:r>
-              <a:rPr lang="pt-BR" dirty="0" smtClean="0"/>
-              <a:t> fornece, dentro de um padrão, uma representação de diagramas que descrevem as </a:t>
-            </a:r>
-            <a:r>
-              <a:rPr lang="pt-BR" dirty="0" err="1" smtClean="0"/>
-              <a:t>ACs</a:t>
-            </a:r>
-            <a:r>
-              <a:rPr lang="pt-BR" dirty="0" smtClean="0"/>
-              <a:t>. </a:t>
-            </a:r>
-          </a:p>
-          <a:p>
-            <a:endParaRPr lang="en-US" dirty="0"/>
-          </a:p>
-        </p:txBody>
-      </p:sp>
-    </p:spTree>
-    <p:extLst>
-      <p:ext uri="{BB962C8B-B14F-4D97-AF65-F5344CB8AC3E}">
-        <p14:creationId xmlns:p14="http://schemas.microsoft.com/office/powerpoint/2010/main" xmlns="" val="153719451"/>
-      </p:ext>
-    </p:extLst>
-  </p:cSld>
-  <p:clrMapOvr>
-    <a:masterClrMapping/>
-  </p:clrMapOvr>
-</p:sld>
-</file>
-
-<file path=ppt/slides/slide19.xml><?xml version="1.0" encoding="utf-8"?>
-<p:sld xmlns:a="http://schemas.openxmlformats.org/drawingml/2006/main" xmlns:r="http://schemas.openxmlformats.org/officeDocument/2006/relationships" xmlns:p="http://schemas.openxmlformats.org/presentationml/2006/main">
-  <p:cSld>
-    <p:spTree>
-      <p:nvGrpSpPr>
-        <p:cNvPr id="1" name=""/>
-        <p:cNvGrpSpPr/>
-        <p:nvPr/>
-      </p:nvGrpSpPr>
-      <p:grpSpPr>
-        <a:xfrm>
-          <a:off x="0" y="0"/>
-          <a:ext cx="0" cy="0"/>
-          <a:chOff x="0" y="0"/>
-          <a:chExt cx="0" cy="0"/>
-        </a:xfrm>
-      </p:grpSpPr>
-      <p:sp>
-        <p:nvSpPr>
-          <p:cNvPr id="2" name="Title 1"/>
-          <p:cNvSpPr>
-            <a:spLocks noGrp="1"/>
-          </p:cNvSpPr>
-          <p:nvPr>
-            <p:ph type="title"/>
-          </p:nvPr>
-        </p:nvSpPr>
         <p:spPr>
           <a:xfrm>
             <a:off x="487155" y="75752"/>
@@ -4249,7 +4222,7 @@
           <a:blip r:embed="rId2">
             <a:extLst>
               <a:ext uri="{28A0092B-C50C-407E-A947-70E740481C1C}">
-                <a14:useLocalDpi xmlns:a14="http://schemas.microsoft.com/office/drawing/2010/main" xmlns="" val="0"/>
+                <a14:useLocalDpi xmlns="" xmlns:a14="http://schemas.microsoft.com/office/drawing/2010/main" val="0"/>
               </a:ext>
             </a:extLst>
           </a:blip>
@@ -4270,182 +4243,24 @@
     </p:spTree>
     <p:extLst>
       <p:ext uri="{BB962C8B-B14F-4D97-AF65-F5344CB8AC3E}">
-        <p14:creationId xmlns:p14="http://schemas.microsoft.com/office/powerpoint/2010/main" xmlns="" val="2970148728"/>
+        <p14:creationId xmlns="" xmlns:p14="http://schemas.microsoft.com/office/powerpoint/2010/main" val="2970148728"/>
       </p:ext>
     </p:extLst>
   </p:cSld>
   <p:clrMapOvr>
     <a:masterClrMapping/>
   </p:clrMapOvr>
+  <p:timing>
+    <p:tnLst>
+      <p:par>
+        <p:cTn id="1" dur="indefinite" restart="never" nodeType="tmRoot"/>
+      </p:par>
+    </p:tnLst>
+  </p:timing>
 </p:sld>
 </file>
 
-<file path=ppt/slides/slide2.xml><?xml version="1.0" encoding="utf-8"?>
-<p:sld xmlns:a="http://schemas.openxmlformats.org/drawingml/2006/main" xmlns:r="http://schemas.openxmlformats.org/officeDocument/2006/relationships" xmlns:p="http://schemas.openxmlformats.org/presentationml/2006/main">
-  <p:cSld>
-    <p:spTree>
-      <p:nvGrpSpPr>
-        <p:cNvPr id="1" name=""/>
-        <p:cNvGrpSpPr/>
-        <p:nvPr/>
-      </p:nvGrpSpPr>
-      <p:grpSpPr>
-        <a:xfrm>
-          <a:off x="0" y="0"/>
-          <a:ext cx="0" cy="0"/>
-          <a:chOff x="0" y="0"/>
-          <a:chExt cx="0" cy="0"/>
-        </a:xfrm>
-      </p:grpSpPr>
-      <p:sp>
-        <p:nvSpPr>
-          <p:cNvPr id="2" name="Title 1"/>
-          <p:cNvSpPr>
-            <a:spLocks noGrp="1"/>
-          </p:cNvSpPr>
-          <p:nvPr>
-            <p:ph type="title"/>
-          </p:nvPr>
-        </p:nvSpPr>
-        <p:spPr/>
-        <p:txBody>
-          <a:bodyPr/>
-          <a:lstStyle/>
-          <a:p>
-            <a:r>
-              <a:rPr lang="en-US" dirty="0" smtClean="0"/>
-              <a:t>Agenda</a:t>
-            </a:r>
-            <a:endParaRPr lang="en-US" dirty="0"/>
-          </a:p>
-        </p:txBody>
-      </p:sp>
-      <p:sp>
-        <p:nvSpPr>
-          <p:cNvPr id="3" name="Content Placeholder 2"/>
-          <p:cNvSpPr>
-            <a:spLocks noGrp="1"/>
-          </p:cNvSpPr>
-          <p:nvPr>
-            <p:ph idx="1"/>
-          </p:nvPr>
-        </p:nvSpPr>
-        <p:spPr/>
-        <p:txBody>
-          <a:bodyPr>
-            <a:normAutofit fontScale="92500" lnSpcReduction="20000"/>
-          </a:bodyPr>
-          <a:lstStyle/>
-          <a:p>
-            <a:r>
-              <a:rPr lang="en-US" dirty="0" err="1" smtClean="0"/>
-              <a:t>Governança</a:t>
-            </a:r>
-            <a:endParaRPr lang="en-US" dirty="0" smtClean="0"/>
-          </a:p>
-          <a:p>
-            <a:r>
-              <a:rPr lang="en-US" dirty="0" err="1" smtClean="0"/>
-              <a:t>Arquitetura</a:t>
-            </a:r>
-            <a:r>
-              <a:rPr lang="en-US" dirty="0" smtClean="0"/>
-              <a:t> </a:t>
-            </a:r>
-            <a:r>
-              <a:rPr lang="en-US" dirty="0" err="1" smtClean="0"/>
-              <a:t>Corporativa</a:t>
-            </a:r>
-            <a:endParaRPr lang="en-US" dirty="0" smtClean="0"/>
-          </a:p>
-          <a:p>
-            <a:r>
-              <a:rPr lang="en-US" dirty="0" err="1" smtClean="0"/>
-              <a:t>Padronização</a:t>
-            </a:r>
-            <a:r>
-              <a:rPr lang="en-US" dirty="0" smtClean="0"/>
-              <a:t> e </a:t>
-            </a:r>
-            <a:r>
-              <a:rPr lang="en-US" dirty="0" err="1" smtClean="0"/>
-              <a:t>Reutilização</a:t>
-            </a:r>
-            <a:endParaRPr lang="en-US" dirty="0" smtClean="0"/>
-          </a:p>
-          <a:p>
-            <a:r>
-              <a:rPr lang="en-US" dirty="0" err="1" smtClean="0"/>
-              <a:t>Tipos</a:t>
-            </a:r>
-            <a:r>
-              <a:rPr lang="en-US" dirty="0" smtClean="0"/>
-              <a:t> de Framework</a:t>
-            </a:r>
-          </a:p>
-          <a:p>
-            <a:pPr lvl="1"/>
-            <a:r>
-              <a:rPr lang="en-US" dirty="0" err="1" smtClean="0"/>
-              <a:t>Zachman</a:t>
-            </a:r>
-            <a:endParaRPr lang="en-US" dirty="0" smtClean="0"/>
-          </a:p>
-          <a:p>
-            <a:pPr lvl="1"/>
-            <a:r>
-              <a:rPr lang="en-US" i="1" dirty="0" smtClean="0"/>
-              <a:t>Federal Enterprise Architecture Framework</a:t>
-            </a:r>
-            <a:r>
-              <a:rPr lang="en-US" dirty="0" smtClean="0"/>
-              <a:t> (FEAF)</a:t>
-            </a:r>
-          </a:p>
-          <a:p>
-            <a:pPr lvl="1"/>
-            <a:r>
-              <a:rPr lang="en-US" dirty="0" smtClean="0"/>
-              <a:t>The Open Group</a:t>
-            </a:r>
-          </a:p>
-          <a:p>
-            <a:pPr lvl="1"/>
-            <a:r>
-              <a:rPr lang="en-US" dirty="0" smtClean="0"/>
-              <a:t>TOGAF</a:t>
-            </a:r>
-          </a:p>
-          <a:p>
-            <a:r>
-              <a:rPr lang="en-US" dirty="0" err="1" smtClean="0"/>
-              <a:t>Archimate</a:t>
-            </a:r>
-            <a:endParaRPr lang="en-US" dirty="0" smtClean="0"/>
-          </a:p>
-          <a:p>
-            <a:r>
-              <a:rPr lang="en-US" dirty="0" smtClean="0"/>
-              <a:t>Full Framework</a:t>
-            </a:r>
-            <a:endParaRPr lang="en-US" dirty="0"/>
-          </a:p>
-        </p:txBody>
-      </p:sp>
-    </p:spTree>
-    <p:extLst>
-      <p:ext uri="{BB962C8B-B14F-4D97-AF65-F5344CB8AC3E}">
-        <p14:creationId xmlns:p14="http://schemas.microsoft.com/office/powerpoint/2010/main" xmlns="" val="1614607598"/>
-      </p:ext>
-    </p:extLst>
-  </p:cSld>
-  <p:clrMapOvr>
-    <a:masterClrMapping/>
-  </p:clrMapOvr>
-</p:sld>
-</file>
-
-<file path=ppt/slides/slide20.xml><?xml version="1.0" encoding="utf-8"?>
+<file path=ppt/slides/slide19.xml><?xml version="1.0" encoding="utf-8"?>
 <p:sld xmlns:a="http://schemas.openxmlformats.org/drawingml/2006/main" xmlns:r="http://schemas.openxmlformats.org/officeDocument/2006/relationships" xmlns:p="http://schemas.openxmlformats.org/presentationml/2006/main">
   <p:cSld>
     <p:spTree>
@@ -4474,7 +4289,7 @@
           <a:blip r:embed="rId2">
             <a:extLst>
               <a:ext uri="{28A0092B-C50C-407E-A947-70E740481C1C}">
-                <a14:useLocalDpi xmlns:a14="http://schemas.microsoft.com/office/drawing/2010/main" xmlns="" val="0"/>
+                <a14:useLocalDpi xmlns="" xmlns:a14="http://schemas.microsoft.com/office/drawing/2010/main" val="0"/>
               </a:ext>
             </a:extLst>
           </a:blip>
@@ -4495,13 +4310,192 @@
     </p:spTree>
     <p:extLst>
       <p:ext uri="{BB962C8B-B14F-4D97-AF65-F5344CB8AC3E}">
-        <p14:creationId xmlns:p14="http://schemas.microsoft.com/office/powerpoint/2010/main" xmlns="" val="2635298843"/>
+        <p14:creationId xmlns="" xmlns:p14="http://schemas.microsoft.com/office/powerpoint/2010/main" val="2635298843"/>
       </p:ext>
     </p:extLst>
   </p:cSld>
   <p:clrMapOvr>
     <a:masterClrMapping/>
   </p:clrMapOvr>
+  <p:timing>
+    <p:tnLst>
+      <p:par>
+        <p:cTn id="1" dur="indefinite" restart="never" nodeType="tmRoot"/>
+      </p:par>
+    </p:tnLst>
+  </p:timing>
+</p:sld>
+</file>
+
+<file path=ppt/slides/slide2.xml><?xml version="1.0" encoding="utf-8"?>
+<p:sld xmlns:a="http://schemas.openxmlformats.org/drawingml/2006/main" xmlns:r="http://schemas.openxmlformats.org/officeDocument/2006/relationships" xmlns:p="http://schemas.openxmlformats.org/presentationml/2006/main">
+  <p:cSld>
+    <p:spTree>
+      <p:nvGrpSpPr>
+        <p:cNvPr id="1" name=""/>
+        <p:cNvGrpSpPr/>
+        <p:nvPr/>
+      </p:nvGrpSpPr>
+      <p:grpSpPr>
+        <a:xfrm>
+          <a:off x="0" y="0"/>
+          <a:ext cx="0" cy="0"/>
+          <a:chOff x="0" y="0"/>
+          <a:chExt cx="0" cy="0"/>
+        </a:xfrm>
+      </p:grpSpPr>
+      <p:sp>
+        <p:nvSpPr>
+          <p:cNvPr id="2" name="Title 1"/>
+          <p:cNvSpPr>
+            <a:spLocks noGrp="1"/>
+          </p:cNvSpPr>
+          <p:nvPr>
+            <p:ph type="title"/>
+          </p:nvPr>
+        </p:nvSpPr>
+        <p:spPr/>
+        <p:txBody>
+          <a:bodyPr/>
+          <a:lstStyle/>
+          <a:p>
+            <a:r>
+              <a:rPr lang="en-US" dirty="0" smtClean="0"/>
+              <a:t>Agenda</a:t>
+            </a:r>
+            <a:endParaRPr lang="en-US" dirty="0"/>
+          </a:p>
+        </p:txBody>
+      </p:sp>
+      <p:sp>
+        <p:nvSpPr>
+          <p:cNvPr id="3" name="Content Placeholder 2"/>
+          <p:cNvSpPr>
+            <a:spLocks noGrp="1"/>
+          </p:cNvSpPr>
+          <p:nvPr>
+            <p:ph idx="1"/>
+          </p:nvPr>
+        </p:nvSpPr>
+        <p:spPr/>
+        <p:txBody>
+          <a:bodyPr>
+            <a:normAutofit fontScale="92500" lnSpcReduction="20000"/>
+          </a:bodyPr>
+          <a:lstStyle/>
+          <a:p>
+            <a:r>
+              <a:rPr lang="en-US" dirty="0" err="1" smtClean="0"/>
+              <a:t>Governança</a:t>
+            </a:r>
+            <a:endParaRPr lang="en-US" dirty="0" smtClean="0"/>
+          </a:p>
+          <a:p>
+            <a:r>
+              <a:rPr lang="en-US" dirty="0" err="1" smtClean="0"/>
+              <a:t>Arquitetura</a:t>
+            </a:r>
+            <a:r>
+              <a:rPr lang="en-US" dirty="0" smtClean="0"/>
+              <a:t> </a:t>
+            </a:r>
+            <a:r>
+              <a:rPr lang="en-US" dirty="0" err="1" smtClean="0"/>
+              <a:t>Corporativa</a:t>
+            </a:r>
+            <a:endParaRPr lang="en-US" dirty="0" smtClean="0"/>
+          </a:p>
+          <a:p>
+            <a:r>
+              <a:rPr lang="en-US" dirty="0" err="1" smtClean="0"/>
+              <a:t>Padronização</a:t>
+            </a:r>
+            <a:r>
+              <a:rPr lang="en-US" dirty="0" smtClean="0"/>
+              <a:t> e </a:t>
+            </a:r>
+            <a:r>
+              <a:rPr lang="en-US" dirty="0" err="1" smtClean="0"/>
+              <a:t>Reutilização</a:t>
+            </a:r>
+            <a:endParaRPr lang="en-US" dirty="0" smtClean="0"/>
+          </a:p>
+          <a:p>
+            <a:r>
+              <a:rPr lang="en-US" dirty="0" err="1" smtClean="0"/>
+              <a:t>Tipos</a:t>
+            </a:r>
+            <a:r>
+              <a:rPr lang="en-US" dirty="0" smtClean="0"/>
+              <a:t> de Framework</a:t>
+            </a:r>
+          </a:p>
+          <a:p>
+            <a:pPr lvl="1"/>
+            <a:r>
+              <a:rPr lang="en-US" dirty="0" err="1" smtClean="0"/>
+              <a:t>Zachman</a:t>
+            </a:r>
+            <a:endParaRPr lang="en-US" dirty="0" smtClean="0"/>
+          </a:p>
+          <a:p>
+            <a:pPr lvl="1"/>
+            <a:r>
+              <a:rPr lang="en-US" i="1" dirty="0" smtClean="0"/>
+              <a:t>Federal Enterprise Architecture Framework</a:t>
+            </a:r>
+            <a:r>
+              <a:rPr lang="en-US" dirty="0" smtClean="0"/>
+              <a:t> (FEAF)</a:t>
+            </a:r>
+          </a:p>
+          <a:p>
+            <a:pPr lvl="1"/>
+            <a:r>
+              <a:rPr lang="en-US" dirty="0" smtClean="0"/>
+              <a:t>The Open Group</a:t>
+            </a:r>
+          </a:p>
+          <a:p>
+            <a:pPr lvl="1"/>
+            <a:r>
+              <a:rPr lang="en-US" dirty="0" smtClean="0"/>
+              <a:t>TOGAF</a:t>
+            </a:r>
+          </a:p>
+          <a:p>
+            <a:r>
+              <a:rPr lang="en-US" dirty="0" err="1" smtClean="0"/>
+              <a:t>Archimate</a:t>
+            </a:r>
+            <a:endParaRPr lang="en-US" dirty="0" smtClean="0"/>
+          </a:p>
+          <a:p>
+            <a:r>
+              <a:rPr lang="en-US" dirty="0" smtClean="0"/>
+              <a:t>Full Framework</a:t>
+            </a:r>
+            <a:endParaRPr lang="en-US" dirty="0"/>
+          </a:p>
+        </p:txBody>
+      </p:sp>
+    </p:spTree>
+    <p:extLst>
+      <p:ext uri="{BB962C8B-B14F-4D97-AF65-F5344CB8AC3E}">
+        <p14:creationId xmlns="" xmlns:p14="http://schemas.microsoft.com/office/powerpoint/2010/main" val="1614607598"/>
+      </p:ext>
+    </p:extLst>
+  </p:cSld>
+  <p:clrMapOvr>
+    <a:masterClrMapping/>
+  </p:clrMapOvr>
+  <p:timing>
+    <p:tnLst>
+      <p:par>
+        <p:cTn id="1" dur="indefinite" restart="never" nodeType="tmRoot"/>
+      </p:par>
+    </p:tnLst>
+  </p:timing>
 </p:sld>
 </file>
 
@@ -4606,7 +4600,7 @@
     </p:spTree>
     <p:extLst>
       <p:ext uri="{BB962C8B-B14F-4D97-AF65-F5344CB8AC3E}">
-        <p14:creationId xmlns:p14="http://schemas.microsoft.com/office/powerpoint/2010/main" xmlns="" val="3421121875"/>
+        <p14:creationId xmlns="" xmlns:p14="http://schemas.microsoft.com/office/powerpoint/2010/main" val="3421121875"/>
       </p:ext>
     </p:extLst>
   </p:cSld>
@@ -4737,7 +4731,7 @@
     </p:spTree>
     <p:extLst>
       <p:ext uri="{BB962C8B-B14F-4D97-AF65-F5344CB8AC3E}">
-        <p14:creationId xmlns:p14="http://schemas.microsoft.com/office/powerpoint/2010/main" xmlns="" val="3421121875"/>
+        <p14:creationId xmlns="" xmlns:p14="http://schemas.microsoft.com/office/powerpoint/2010/main" val="3421121875"/>
       </p:ext>
     </p:extLst>
   </p:cSld>
@@ -4854,7 +4848,7 @@
     </p:spTree>
     <p:extLst>
       <p:ext uri="{BB962C8B-B14F-4D97-AF65-F5344CB8AC3E}">
-        <p14:creationId xmlns:p14="http://schemas.microsoft.com/office/powerpoint/2010/main" xmlns="" val="3220230748"/>
+        <p14:creationId xmlns="" xmlns:p14="http://schemas.microsoft.com/office/powerpoint/2010/main" val="3220230748"/>
       </p:ext>
     </p:extLst>
   </p:cSld>
@@ -5059,7 +5053,7 @@
     </p:spTree>
     <p:extLst>
       <p:ext uri="{BB962C8B-B14F-4D97-AF65-F5344CB8AC3E}">
-        <p14:creationId xmlns:p14="http://schemas.microsoft.com/office/powerpoint/2010/main" xmlns="" val="1154134001"/>
+        <p14:creationId xmlns="" xmlns:p14="http://schemas.microsoft.com/office/powerpoint/2010/main" val="1154134001"/>
       </p:ext>
     </p:extLst>
   </p:cSld>
@@ -5258,7 +5252,7 @@
     </p:spTree>
     <p:extLst>
       <p:ext uri="{BB962C8B-B14F-4D97-AF65-F5344CB8AC3E}">
-        <p14:creationId xmlns:p14="http://schemas.microsoft.com/office/powerpoint/2010/main" xmlns="" val="1463070621"/>
+        <p14:creationId xmlns="" xmlns:p14="http://schemas.microsoft.com/office/powerpoint/2010/main" val="1463070621"/>
       </p:ext>
     </p:extLst>
   </p:cSld>
@@ -5368,7 +5362,7 @@
     </p:spTree>
     <p:extLst>
       <p:ext uri="{BB962C8B-B14F-4D97-AF65-F5344CB8AC3E}">
-        <p14:creationId xmlns:p14="http://schemas.microsoft.com/office/powerpoint/2010/main" xmlns="" val="1463070621"/>
+        <p14:creationId xmlns="" xmlns:p14="http://schemas.microsoft.com/office/powerpoint/2010/main" val="1463070621"/>
       </p:ext>
     </p:extLst>
   </p:cSld>
@@ -5485,13 +5479,20 @@
     </p:spTree>
     <p:extLst>
       <p:ext uri="{BB962C8B-B14F-4D97-AF65-F5344CB8AC3E}">
-        <p14:creationId xmlns:p14="http://schemas.microsoft.com/office/powerpoint/2010/main" xmlns="" val="1463070621"/>
+        <p14:creationId xmlns="" xmlns:p14="http://schemas.microsoft.com/office/powerpoint/2010/main" val="1463070621"/>
       </p:ext>
     </p:extLst>
   </p:cSld>
   <p:clrMapOvr>
     <a:masterClrMapping/>
   </p:clrMapOvr>
+  <p:timing>
+    <p:tnLst>
+      <p:par>
+        <p:cTn id="1" dur="indefinite" restart="never" nodeType="tmRoot"/>
+      </p:par>
+    </p:tnLst>
+  </p:timing>
 </p:sld>
 </file>
 
